--- a/Unidad II/diagramas uml.pptx
+++ b/Unidad II/diagramas uml.pptx
@@ -12,6 +12,12 @@
     <p:sldId id="257" r:id="rId6"/>
     <p:sldId id="261" r:id="rId7"/>
     <p:sldId id="262" r:id="rId8"/>
+    <p:sldId id="263" r:id="rId9"/>
+    <p:sldId id="265" r:id="rId10"/>
+    <p:sldId id="266" r:id="rId11"/>
+    <p:sldId id="264" r:id="rId12"/>
+    <p:sldId id="267" r:id="rId13"/>
+    <p:sldId id="268" r:id="rId14"/>
   </p:sldIdLst>
   <p:sldSz cx="12192000" cy="6858000"/>
   <p:notesSz cx="6858000" cy="9144000"/>
@@ -110,6 +116,11 @@
       </a:defRPr>
     </a:lvl9pPr>
   </p:defaultTextStyle>
+  <p:extLst>
+    <p:ext uri="{EFAFB233-063F-42B5-8137-9DF3F51BA10A}">
+      <p15:sldGuideLst xmlns:p15="http://schemas.microsoft.com/office/powerpoint/2012/main"/>
+    </p:ext>
+  </p:extLst>
 </p:presentation>
 </file>
 
@@ -260,7 +271,7 @@
           <a:p>
             <a:fld id="{EB993E32-8AB3-4DE5-96CB-E95A7A114169}" type="datetimeFigureOut">
               <a:rPr lang="en-US" smtClean="0"/>
-              <a:t>28-Oct-19</a:t>
+              <a:t>04-Nov-19</a:t>
             </a:fld>
             <a:endParaRPr lang="en-US"/>
           </a:p>
@@ -458,7 +469,7 @@
           <a:p>
             <a:fld id="{EB993E32-8AB3-4DE5-96CB-E95A7A114169}" type="datetimeFigureOut">
               <a:rPr lang="en-US" smtClean="0"/>
-              <a:t>28-Oct-19</a:t>
+              <a:t>04-Nov-19</a:t>
             </a:fld>
             <a:endParaRPr lang="en-US"/>
           </a:p>
@@ -666,7 +677,7 @@
           <a:p>
             <a:fld id="{EB993E32-8AB3-4DE5-96CB-E95A7A114169}" type="datetimeFigureOut">
               <a:rPr lang="en-US" smtClean="0"/>
-              <a:t>28-Oct-19</a:t>
+              <a:t>04-Nov-19</a:t>
             </a:fld>
             <a:endParaRPr lang="en-US"/>
           </a:p>
@@ -864,7 +875,7 @@
           <a:p>
             <a:fld id="{EB993E32-8AB3-4DE5-96CB-E95A7A114169}" type="datetimeFigureOut">
               <a:rPr lang="en-US" smtClean="0"/>
-              <a:t>28-Oct-19</a:t>
+              <a:t>04-Nov-19</a:t>
             </a:fld>
             <a:endParaRPr lang="en-US"/>
           </a:p>
@@ -1139,7 +1150,7 @@
           <a:p>
             <a:fld id="{EB993E32-8AB3-4DE5-96CB-E95A7A114169}" type="datetimeFigureOut">
               <a:rPr lang="en-US" smtClean="0"/>
-              <a:t>28-Oct-19</a:t>
+              <a:t>04-Nov-19</a:t>
             </a:fld>
             <a:endParaRPr lang="en-US"/>
           </a:p>
@@ -1404,7 +1415,7 @@
           <a:p>
             <a:fld id="{EB993E32-8AB3-4DE5-96CB-E95A7A114169}" type="datetimeFigureOut">
               <a:rPr lang="en-US" smtClean="0"/>
-              <a:t>28-Oct-19</a:t>
+              <a:t>04-Nov-19</a:t>
             </a:fld>
             <a:endParaRPr lang="en-US"/>
           </a:p>
@@ -1816,7 +1827,7 @@
           <a:p>
             <a:fld id="{EB993E32-8AB3-4DE5-96CB-E95A7A114169}" type="datetimeFigureOut">
               <a:rPr lang="en-US" smtClean="0"/>
-              <a:t>28-Oct-19</a:t>
+              <a:t>04-Nov-19</a:t>
             </a:fld>
             <a:endParaRPr lang="en-US"/>
           </a:p>
@@ -1957,7 +1968,7 @@
           <a:p>
             <a:fld id="{EB993E32-8AB3-4DE5-96CB-E95A7A114169}" type="datetimeFigureOut">
               <a:rPr lang="en-US" smtClean="0"/>
-              <a:t>28-Oct-19</a:t>
+              <a:t>04-Nov-19</a:t>
             </a:fld>
             <a:endParaRPr lang="en-US"/>
           </a:p>
@@ -2070,7 +2081,7 @@
           <a:p>
             <a:fld id="{EB993E32-8AB3-4DE5-96CB-E95A7A114169}" type="datetimeFigureOut">
               <a:rPr lang="en-US" smtClean="0"/>
-              <a:t>28-Oct-19</a:t>
+              <a:t>04-Nov-19</a:t>
             </a:fld>
             <a:endParaRPr lang="en-US"/>
           </a:p>
@@ -2381,7 +2392,7 @@
           <a:p>
             <a:fld id="{EB993E32-8AB3-4DE5-96CB-E95A7A114169}" type="datetimeFigureOut">
               <a:rPr lang="en-US" smtClean="0"/>
-              <a:t>28-Oct-19</a:t>
+              <a:t>04-Nov-19</a:t>
             </a:fld>
             <a:endParaRPr lang="en-US"/>
           </a:p>
@@ -2669,7 +2680,7 @@
           <a:p>
             <a:fld id="{EB993E32-8AB3-4DE5-96CB-E95A7A114169}" type="datetimeFigureOut">
               <a:rPr lang="en-US" smtClean="0"/>
-              <a:t>28-Oct-19</a:t>
+              <a:t>04-Nov-19</a:t>
             </a:fld>
             <a:endParaRPr lang="en-US"/>
           </a:p>
@@ -2910,7 +2921,7 @@
           <a:p>
             <a:fld id="{EB993E32-8AB3-4DE5-96CB-E95A7A114169}" type="datetimeFigureOut">
               <a:rPr lang="en-US" smtClean="0"/>
-              <a:t>28-Oct-19</a:t>
+              <a:t>04-Nov-19</a:t>
             </a:fld>
             <a:endParaRPr lang="en-US"/>
           </a:p>
@@ -3995,6 +4006,1002 @@
 </p:sld>
 </file>
 
+<file path=ppt/slides/slide10.xml><?xml version="1.0" encoding="utf-8"?>
+<p:sld xmlns:a="http://schemas.openxmlformats.org/drawingml/2006/main" xmlns:r="http://schemas.openxmlformats.org/officeDocument/2006/relationships" xmlns:p="http://schemas.openxmlformats.org/presentationml/2006/main">
+  <p:cSld>
+    <p:spTree>
+      <p:nvGrpSpPr>
+        <p:cNvPr id="1" name=""/>
+        <p:cNvGrpSpPr/>
+        <p:nvPr/>
+      </p:nvGrpSpPr>
+      <p:grpSpPr>
+        <a:xfrm>
+          <a:off x="0" y="0"/>
+          <a:ext cx="0" cy="0"/>
+          <a:chOff x="0" y="0"/>
+          <a:chExt cx="0" cy="0"/>
+        </a:xfrm>
+      </p:grpSpPr>
+      <p:sp>
+        <p:nvSpPr>
+          <p:cNvPr id="2" name="Title 1">
+            <a:extLst>
+              <a:ext uri="{FF2B5EF4-FFF2-40B4-BE49-F238E27FC236}">
+                <a16:creationId xmlns:a16="http://schemas.microsoft.com/office/drawing/2014/main" id="{F172DF72-D130-492B-8357-F2094EA116F7}"/>
+              </a:ext>
+            </a:extLst>
+          </p:cNvPr>
+          <p:cNvSpPr>
+            <a:spLocks noGrp="1"/>
+          </p:cNvSpPr>
+          <p:nvPr>
+            <p:ph type="title"/>
+          </p:nvPr>
+        </p:nvSpPr>
+        <p:spPr>
+          <a:xfrm>
+            <a:off x="838200" y="388799"/>
+            <a:ext cx="10515600" cy="976175"/>
+          </a:xfrm>
+        </p:spPr>
+        <p:txBody>
+          <a:bodyPr>
+            <a:normAutofit/>
+          </a:bodyPr>
+          <a:lstStyle/>
+          <a:p>
+            <a:r>
+              <a:rPr lang="es-HN" b="1" dirty="0">
+                <a:solidFill>
+                  <a:schemeClr val="accent1"/>
+                </a:solidFill>
+              </a:rPr>
+              <a:t>Relaciones de los casos de uso</a:t>
+            </a:r>
+          </a:p>
+        </p:txBody>
+      </p:sp>
+      <p:sp>
+        <p:nvSpPr>
+          <p:cNvPr id="3" name="Text Placeholder 2">
+            <a:extLst>
+              <a:ext uri="{FF2B5EF4-FFF2-40B4-BE49-F238E27FC236}">
+                <a16:creationId xmlns:a16="http://schemas.microsoft.com/office/drawing/2014/main" id="{B742F0EE-6816-45B3-8B2F-E78EDC4B829E}"/>
+              </a:ext>
+            </a:extLst>
+          </p:cNvPr>
+          <p:cNvSpPr>
+            <a:spLocks noGrp="1"/>
+          </p:cNvSpPr>
+          <p:nvPr>
+            <p:ph type="body" idx="1"/>
+          </p:nvPr>
+        </p:nvSpPr>
+        <p:spPr>
+          <a:xfrm>
+            <a:off x="967408" y="1391478"/>
+            <a:ext cx="10641495" cy="1333451"/>
+          </a:xfrm>
+        </p:spPr>
+        <p:txBody>
+          <a:bodyPr>
+            <a:normAutofit/>
+          </a:bodyPr>
+          <a:lstStyle/>
+          <a:p>
+            <a:r>
+              <a:rPr lang="es-ES" sz="2800" dirty="0">
+                <a:solidFill>
+                  <a:schemeClr val="tx1"/>
+                </a:solidFill>
+              </a:rPr>
+              <a:t>Las relaciones activas se conocen como relaciones de comportamiento y se utilizan principalmente en los diagramas de casos de uso.</a:t>
+            </a:r>
+            <a:endParaRPr lang="es-HN" sz="2800" dirty="0">
+              <a:solidFill>
+                <a:schemeClr val="tx1"/>
+              </a:solidFill>
+            </a:endParaRPr>
+          </a:p>
+        </p:txBody>
+      </p:sp>
+      <p:pic>
+        <p:nvPicPr>
+          <p:cNvPr id="6" name="Picture 5">
+            <a:extLst>
+              <a:ext uri="{FF2B5EF4-FFF2-40B4-BE49-F238E27FC236}">
+                <a16:creationId xmlns:a16="http://schemas.microsoft.com/office/drawing/2014/main" id="{E75331EF-1911-470B-A28D-B7BB6345F9AB}"/>
+              </a:ext>
+            </a:extLst>
+          </p:cNvPr>
+          <p:cNvPicPr>
+            <a:picLocks noChangeAspect="1"/>
+          </p:cNvPicPr>
+          <p:nvPr/>
+        </p:nvPicPr>
+        <p:blipFill rotWithShape="1">
+          <a:blip r:embed="rId2">
+            <a:extLst>
+              <a:ext uri="{28A0092B-C50C-407E-A947-70E740481C1C}">
+                <a14:useLocalDpi xmlns:a14="http://schemas.microsoft.com/office/drawing/2010/main" val="0"/>
+              </a:ext>
+            </a:extLst>
+          </a:blip>
+          <a:srcRect l="-959" t="50366" r="959" b="-406"/>
+          <a:stretch/>
+        </p:blipFill>
+        <p:spPr>
+          <a:xfrm>
+            <a:off x="967408" y="2491409"/>
+            <a:ext cx="10064224" cy="3660247"/>
+          </a:xfrm>
+          <a:prstGeom prst="rect">
+            <a:avLst/>
+          </a:prstGeom>
+        </p:spPr>
+      </p:pic>
+    </p:spTree>
+    <p:extLst>
+      <p:ext uri="{BB962C8B-B14F-4D97-AF65-F5344CB8AC3E}">
+        <p14:creationId xmlns:p14="http://schemas.microsoft.com/office/powerpoint/2010/main" val="3008319701"/>
+      </p:ext>
+    </p:extLst>
+  </p:cSld>
+  <p:clrMapOvr>
+    <a:masterClrMapping/>
+  </p:clrMapOvr>
+</p:sld>
+</file>
+
+<file path=ppt/slides/slide11.xml><?xml version="1.0" encoding="utf-8"?>
+<p:sld xmlns:a="http://schemas.openxmlformats.org/drawingml/2006/main" xmlns:r="http://schemas.openxmlformats.org/officeDocument/2006/relationships" xmlns:p="http://schemas.openxmlformats.org/presentationml/2006/main">
+  <p:cSld>
+    <p:spTree>
+      <p:nvGrpSpPr>
+        <p:cNvPr id="1" name=""/>
+        <p:cNvGrpSpPr/>
+        <p:nvPr/>
+      </p:nvGrpSpPr>
+      <p:grpSpPr>
+        <a:xfrm>
+          <a:off x="0" y="0"/>
+          <a:ext cx="0" cy="0"/>
+          <a:chOff x="0" y="0"/>
+          <a:chExt cx="0" cy="0"/>
+        </a:xfrm>
+      </p:grpSpPr>
+      <p:sp>
+        <p:nvSpPr>
+          <p:cNvPr id="2" name="Title 1">
+            <a:extLst>
+              <a:ext uri="{FF2B5EF4-FFF2-40B4-BE49-F238E27FC236}">
+                <a16:creationId xmlns:a16="http://schemas.microsoft.com/office/drawing/2014/main" id="{F172DF72-D130-492B-8357-F2094EA116F7}"/>
+              </a:ext>
+            </a:extLst>
+          </p:cNvPr>
+          <p:cNvSpPr>
+            <a:spLocks noGrp="1"/>
+          </p:cNvSpPr>
+          <p:nvPr>
+            <p:ph type="title"/>
+          </p:nvPr>
+        </p:nvSpPr>
+        <p:spPr>
+          <a:xfrm>
+            <a:off x="838200" y="388799"/>
+            <a:ext cx="10515600" cy="976175"/>
+          </a:xfrm>
+        </p:spPr>
+        <p:txBody>
+          <a:bodyPr>
+            <a:normAutofit/>
+          </a:bodyPr>
+          <a:lstStyle/>
+          <a:p>
+            <a:r>
+              <a:rPr lang="es-HN" b="1" dirty="0">
+                <a:solidFill>
+                  <a:schemeClr val="accent1"/>
+                </a:solidFill>
+              </a:rPr>
+              <a:t>Diagramas de actividad</a:t>
+            </a:r>
+          </a:p>
+        </p:txBody>
+      </p:sp>
+      <p:sp>
+        <p:nvSpPr>
+          <p:cNvPr id="9" name="Text Placeholder 2">
+            <a:extLst>
+              <a:ext uri="{FF2B5EF4-FFF2-40B4-BE49-F238E27FC236}">
+                <a16:creationId xmlns:a16="http://schemas.microsoft.com/office/drawing/2014/main" id="{499BDD1A-F4D5-4220-9C22-9CDBAB07A2B0}"/>
+              </a:ext>
+            </a:extLst>
+          </p:cNvPr>
+          <p:cNvSpPr txBox="1">
+            <a:spLocks/>
+          </p:cNvSpPr>
+          <p:nvPr/>
+        </p:nvSpPr>
+        <p:spPr>
+          <a:xfrm>
+            <a:off x="838200" y="1656522"/>
+            <a:ext cx="4396409" cy="4812678"/>
+          </a:xfrm>
+          <a:prstGeom prst="rect">
+            <a:avLst/>
+          </a:prstGeom>
+        </p:spPr>
+        <p:txBody>
+          <a:bodyPr vert="horz" lIns="91440" tIns="45720" rIns="91440" bIns="45720" rtlCol="0">
+            <a:normAutofit/>
+          </a:bodyPr>
+          <a:lstStyle>
+            <a:lvl1pPr marL="0" indent="0" algn="l" defTabSz="914400" rtl="0" eaLnBrk="1" latinLnBrk="0" hangingPunct="1">
+              <a:lnSpc>
+                <a:spcPct val="90000"/>
+              </a:lnSpc>
+              <a:spcBef>
+                <a:spcPts val="1000"/>
+              </a:spcBef>
+              <a:buFont typeface="Arial" panose="020B0604020202020204" pitchFamily="34" charset="0"/>
+              <a:buNone/>
+              <a:defRPr sz="2400" kern="1200">
+                <a:solidFill>
+                  <a:schemeClr val="tx1">
+                    <a:tint val="75000"/>
+                  </a:schemeClr>
+                </a:solidFill>
+                <a:latin typeface="+mn-lt"/>
+                <a:ea typeface="+mn-ea"/>
+                <a:cs typeface="+mn-cs"/>
+              </a:defRPr>
+            </a:lvl1pPr>
+            <a:lvl2pPr marL="457200" indent="0" algn="l" defTabSz="914400" rtl="0" eaLnBrk="1" latinLnBrk="0" hangingPunct="1">
+              <a:lnSpc>
+                <a:spcPct val="90000"/>
+              </a:lnSpc>
+              <a:spcBef>
+                <a:spcPts val="500"/>
+              </a:spcBef>
+              <a:buFont typeface="Arial" panose="020B0604020202020204" pitchFamily="34" charset="0"/>
+              <a:buNone/>
+              <a:defRPr sz="2000" kern="1200">
+                <a:solidFill>
+                  <a:schemeClr val="tx1">
+                    <a:tint val="75000"/>
+                  </a:schemeClr>
+                </a:solidFill>
+                <a:latin typeface="+mn-lt"/>
+                <a:ea typeface="+mn-ea"/>
+                <a:cs typeface="+mn-cs"/>
+              </a:defRPr>
+            </a:lvl2pPr>
+            <a:lvl3pPr marL="914400" indent="0" algn="l" defTabSz="914400" rtl="0" eaLnBrk="1" latinLnBrk="0" hangingPunct="1">
+              <a:lnSpc>
+                <a:spcPct val="90000"/>
+              </a:lnSpc>
+              <a:spcBef>
+                <a:spcPts val="500"/>
+              </a:spcBef>
+              <a:buFont typeface="Arial" panose="020B0604020202020204" pitchFamily="34" charset="0"/>
+              <a:buNone/>
+              <a:defRPr sz="1800" kern="1200">
+                <a:solidFill>
+                  <a:schemeClr val="tx1">
+                    <a:tint val="75000"/>
+                  </a:schemeClr>
+                </a:solidFill>
+                <a:latin typeface="+mn-lt"/>
+                <a:ea typeface="+mn-ea"/>
+                <a:cs typeface="+mn-cs"/>
+              </a:defRPr>
+            </a:lvl3pPr>
+            <a:lvl4pPr marL="1371600" indent="0" algn="l" defTabSz="914400" rtl="0" eaLnBrk="1" latinLnBrk="0" hangingPunct="1">
+              <a:lnSpc>
+                <a:spcPct val="90000"/>
+              </a:lnSpc>
+              <a:spcBef>
+                <a:spcPts val="500"/>
+              </a:spcBef>
+              <a:buFont typeface="Arial" panose="020B0604020202020204" pitchFamily="34" charset="0"/>
+              <a:buNone/>
+              <a:defRPr sz="1600" kern="1200">
+                <a:solidFill>
+                  <a:schemeClr val="tx1">
+                    <a:tint val="75000"/>
+                  </a:schemeClr>
+                </a:solidFill>
+                <a:latin typeface="+mn-lt"/>
+                <a:ea typeface="+mn-ea"/>
+                <a:cs typeface="+mn-cs"/>
+              </a:defRPr>
+            </a:lvl4pPr>
+            <a:lvl5pPr marL="1828800" indent="0" algn="l" defTabSz="914400" rtl="0" eaLnBrk="1" latinLnBrk="0" hangingPunct="1">
+              <a:lnSpc>
+                <a:spcPct val="90000"/>
+              </a:lnSpc>
+              <a:spcBef>
+                <a:spcPts val="500"/>
+              </a:spcBef>
+              <a:buFont typeface="Arial" panose="020B0604020202020204" pitchFamily="34" charset="0"/>
+              <a:buNone/>
+              <a:defRPr sz="1600" kern="1200">
+                <a:solidFill>
+                  <a:schemeClr val="tx1">
+                    <a:tint val="75000"/>
+                  </a:schemeClr>
+                </a:solidFill>
+                <a:latin typeface="+mn-lt"/>
+                <a:ea typeface="+mn-ea"/>
+                <a:cs typeface="+mn-cs"/>
+              </a:defRPr>
+            </a:lvl5pPr>
+            <a:lvl6pPr marL="2286000" indent="0" algn="l" defTabSz="914400" rtl="0" eaLnBrk="1" latinLnBrk="0" hangingPunct="1">
+              <a:lnSpc>
+                <a:spcPct val="90000"/>
+              </a:lnSpc>
+              <a:spcBef>
+                <a:spcPts val="500"/>
+              </a:spcBef>
+              <a:buFont typeface="Arial" panose="020B0604020202020204" pitchFamily="34" charset="0"/>
+              <a:buNone/>
+              <a:defRPr sz="1600" kern="1200">
+                <a:solidFill>
+                  <a:schemeClr val="tx1">
+                    <a:tint val="75000"/>
+                  </a:schemeClr>
+                </a:solidFill>
+                <a:latin typeface="+mn-lt"/>
+                <a:ea typeface="+mn-ea"/>
+                <a:cs typeface="+mn-cs"/>
+              </a:defRPr>
+            </a:lvl6pPr>
+            <a:lvl7pPr marL="2743200" indent="0" algn="l" defTabSz="914400" rtl="0" eaLnBrk="1" latinLnBrk="0" hangingPunct="1">
+              <a:lnSpc>
+                <a:spcPct val="90000"/>
+              </a:lnSpc>
+              <a:spcBef>
+                <a:spcPts val="500"/>
+              </a:spcBef>
+              <a:buFont typeface="Arial" panose="020B0604020202020204" pitchFamily="34" charset="0"/>
+              <a:buNone/>
+              <a:defRPr sz="1600" kern="1200">
+                <a:solidFill>
+                  <a:schemeClr val="tx1">
+                    <a:tint val="75000"/>
+                  </a:schemeClr>
+                </a:solidFill>
+                <a:latin typeface="+mn-lt"/>
+                <a:ea typeface="+mn-ea"/>
+                <a:cs typeface="+mn-cs"/>
+              </a:defRPr>
+            </a:lvl7pPr>
+            <a:lvl8pPr marL="3200400" indent="0" algn="l" defTabSz="914400" rtl="0" eaLnBrk="1" latinLnBrk="0" hangingPunct="1">
+              <a:lnSpc>
+                <a:spcPct val="90000"/>
+              </a:lnSpc>
+              <a:spcBef>
+                <a:spcPts val="500"/>
+              </a:spcBef>
+              <a:buFont typeface="Arial" panose="020B0604020202020204" pitchFamily="34" charset="0"/>
+              <a:buNone/>
+              <a:defRPr sz="1600" kern="1200">
+                <a:solidFill>
+                  <a:schemeClr val="tx1">
+                    <a:tint val="75000"/>
+                  </a:schemeClr>
+                </a:solidFill>
+                <a:latin typeface="+mn-lt"/>
+                <a:ea typeface="+mn-ea"/>
+                <a:cs typeface="+mn-cs"/>
+              </a:defRPr>
+            </a:lvl8pPr>
+            <a:lvl9pPr marL="3657600" indent="0" algn="l" defTabSz="914400" rtl="0" eaLnBrk="1" latinLnBrk="0" hangingPunct="1">
+              <a:lnSpc>
+                <a:spcPct val="90000"/>
+              </a:lnSpc>
+              <a:spcBef>
+                <a:spcPts val="500"/>
+              </a:spcBef>
+              <a:buFont typeface="Arial" panose="020B0604020202020204" pitchFamily="34" charset="0"/>
+              <a:buNone/>
+              <a:defRPr sz="1600" kern="1200">
+                <a:solidFill>
+                  <a:schemeClr val="tx1">
+                    <a:tint val="75000"/>
+                  </a:schemeClr>
+                </a:solidFill>
+                <a:latin typeface="+mn-lt"/>
+                <a:ea typeface="+mn-ea"/>
+                <a:cs typeface="+mn-cs"/>
+              </a:defRPr>
+            </a:lvl9pPr>
+          </a:lstStyle>
+          <a:p>
+            <a:r>
+              <a:rPr lang="es-ES" sz="2800" dirty="0">
+                <a:solidFill>
+                  <a:schemeClr val="tx1"/>
+                </a:solidFill>
+              </a:rPr>
+              <a:t>Los diagramas de actividad muestran la secuencia de actividades en un proceso, incluyendo las actividades secuenciales y paralelas, además de las decisiones que se toman. </a:t>
+            </a:r>
+          </a:p>
+          <a:p>
+            <a:r>
+              <a:rPr lang="es-ES" sz="2800" dirty="0">
+                <a:solidFill>
+                  <a:schemeClr val="tx1"/>
+                </a:solidFill>
+              </a:rPr>
+              <a:t> </a:t>
+            </a:r>
+          </a:p>
+          <a:p>
+            <a:r>
+              <a:rPr lang="es-ES" sz="2800" dirty="0">
+                <a:solidFill>
+                  <a:schemeClr val="tx1"/>
+                </a:solidFill>
+              </a:rPr>
+              <a:t> </a:t>
+            </a:r>
+            <a:endParaRPr lang="es-HN" sz="2800" dirty="0">
+              <a:solidFill>
+                <a:schemeClr val="tx1"/>
+              </a:solidFill>
+            </a:endParaRPr>
+          </a:p>
+        </p:txBody>
+      </p:sp>
+      <p:pic>
+        <p:nvPicPr>
+          <p:cNvPr id="15" name="Picture 14">
+            <a:extLst>
+              <a:ext uri="{FF2B5EF4-FFF2-40B4-BE49-F238E27FC236}">
+                <a16:creationId xmlns:a16="http://schemas.microsoft.com/office/drawing/2014/main" id="{7FFFEC2D-3434-4092-A399-19022D57806D}"/>
+              </a:ext>
+            </a:extLst>
+          </p:cNvPr>
+          <p:cNvPicPr>
+            <a:picLocks noChangeAspect="1"/>
+          </p:cNvPicPr>
+          <p:nvPr/>
+        </p:nvPicPr>
+        <p:blipFill rotWithShape="1">
+          <a:blip r:embed="rId2">
+            <a:extLst>
+              <a:ext uri="{28A0092B-C50C-407E-A947-70E740481C1C}">
+                <a14:useLocalDpi xmlns:a14="http://schemas.microsoft.com/office/drawing/2010/main" val="0"/>
+              </a:ext>
+            </a:extLst>
+          </a:blip>
+          <a:srcRect r="27117"/>
+          <a:stretch/>
+        </p:blipFill>
+        <p:spPr>
+          <a:xfrm>
+            <a:off x="5234609" y="1263933"/>
+            <a:ext cx="6224734" cy="5205267"/>
+          </a:xfrm>
+          <a:prstGeom prst="rect">
+            <a:avLst/>
+          </a:prstGeom>
+        </p:spPr>
+      </p:pic>
+    </p:spTree>
+    <p:extLst>
+      <p:ext uri="{BB962C8B-B14F-4D97-AF65-F5344CB8AC3E}">
+        <p14:creationId xmlns:p14="http://schemas.microsoft.com/office/powerpoint/2010/main" val="379921024"/>
+      </p:ext>
+    </p:extLst>
+  </p:cSld>
+  <p:clrMapOvr>
+    <a:masterClrMapping/>
+  </p:clrMapOvr>
+</p:sld>
+</file>
+
+<file path=ppt/slides/slide12.xml><?xml version="1.0" encoding="utf-8"?>
+<p:sld xmlns:a="http://schemas.openxmlformats.org/drawingml/2006/main" xmlns:r="http://schemas.openxmlformats.org/officeDocument/2006/relationships" xmlns:p="http://schemas.openxmlformats.org/presentationml/2006/main">
+  <p:cSld>
+    <p:spTree>
+      <p:nvGrpSpPr>
+        <p:cNvPr id="1" name=""/>
+        <p:cNvGrpSpPr/>
+        <p:nvPr/>
+      </p:nvGrpSpPr>
+      <p:grpSpPr>
+        <a:xfrm>
+          <a:off x="0" y="0"/>
+          <a:ext cx="0" cy="0"/>
+          <a:chOff x="0" y="0"/>
+          <a:chExt cx="0" cy="0"/>
+        </a:xfrm>
+      </p:grpSpPr>
+      <p:sp>
+        <p:nvSpPr>
+          <p:cNvPr id="2" name="Title 1">
+            <a:extLst>
+              <a:ext uri="{FF2B5EF4-FFF2-40B4-BE49-F238E27FC236}">
+                <a16:creationId xmlns:a16="http://schemas.microsoft.com/office/drawing/2014/main" id="{F172DF72-D130-492B-8357-F2094EA116F7}"/>
+              </a:ext>
+            </a:extLst>
+          </p:cNvPr>
+          <p:cNvSpPr>
+            <a:spLocks noGrp="1"/>
+          </p:cNvSpPr>
+          <p:nvPr>
+            <p:ph type="title"/>
+          </p:nvPr>
+        </p:nvSpPr>
+        <p:spPr>
+          <a:xfrm>
+            <a:off x="838200" y="388799"/>
+            <a:ext cx="10515600" cy="976175"/>
+          </a:xfrm>
+        </p:spPr>
+        <p:txBody>
+          <a:bodyPr>
+            <a:normAutofit/>
+          </a:bodyPr>
+          <a:lstStyle/>
+          <a:p>
+            <a:r>
+              <a:rPr lang="es-HN" b="1" dirty="0">
+                <a:solidFill>
+                  <a:schemeClr val="accent1"/>
+                </a:solidFill>
+              </a:rPr>
+              <a:t>Diagramas de actividad</a:t>
+            </a:r>
+          </a:p>
+        </p:txBody>
+      </p:sp>
+      <p:sp>
+        <p:nvSpPr>
+          <p:cNvPr id="9" name="Text Placeholder 2">
+            <a:extLst>
+              <a:ext uri="{FF2B5EF4-FFF2-40B4-BE49-F238E27FC236}">
+                <a16:creationId xmlns:a16="http://schemas.microsoft.com/office/drawing/2014/main" id="{499BDD1A-F4D5-4220-9C22-9CDBAB07A2B0}"/>
+              </a:ext>
+            </a:extLst>
+          </p:cNvPr>
+          <p:cNvSpPr txBox="1">
+            <a:spLocks/>
+          </p:cNvSpPr>
+          <p:nvPr/>
+        </p:nvSpPr>
+        <p:spPr>
+          <a:xfrm>
+            <a:off x="1063486" y="1656523"/>
+            <a:ext cx="9790043" cy="4812678"/>
+          </a:xfrm>
+          <a:prstGeom prst="rect">
+            <a:avLst/>
+          </a:prstGeom>
+        </p:spPr>
+        <p:txBody>
+          <a:bodyPr vert="horz" lIns="91440" tIns="45720" rIns="91440" bIns="45720" rtlCol="0">
+            <a:normAutofit/>
+          </a:bodyPr>
+          <a:lstStyle>
+            <a:lvl1pPr marL="0" indent="0" algn="l" defTabSz="914400" rtl="0" eaLnBrk="1" latinLnBrk="0" hangingPunct="1">
+              <a:lnSpc>
+                <a:spcPct val="90000"/>
+              </a:lnSpc>
+              <a:spcBef>
+                <a:spcPts val="1000"/>
+              </a:spcBef>
+              <a:buFont typeface="Arial" panose="020B0604020202020204" pitchFamily="34" charset="0"/>
+              <a:buNone/>
+              <a:defRPr sz="2400" kern="1200">
+                <a:solidFill>
+                  <a:schemeClr val="tx1">
+                    <a:tint val="75000"/>
+                  </a:schemeClr>
+                </a:solidFill>
+                <a:latin typeface="+mn-lt"/>
+                <a:ea typeface="+mn-ea"/>
+                <a:cs typeface="+mn-cs"/>
+              </a:defRPr>
+            </a:lvl1pPr>
+            <a:lvl2pPr marL="457200" indent="0" algn="l" defTabSz="914400" rtl="0" eaLnBrk="1" latinLnBrk="0" hangingPunct="1">
+              <a:lnSpc>
+                <a:spcPct val="90000"/>
+              </a:lnSpc>
+              <a:spcBef>
+                <a:spcPts val="500"/>
+              </a:spcBef>
+              <a:buFont typeface="Arial" panose="020B0604020202020204" pitchFamily="34" charset="0"/>
+              <a:buNone/>
+              <a:defRPr sz="2000" kern="1200">
+                <a:solidFill>
+                  <a:schemeClr val="tx1">
+                    <a:tint val="75000"/>
+                  </a:schemeClr>
+                </a:solidFill>
+                <a:latin typeface="+mn-lt"/>
+                <a:ea typeface="+mn-ea"/>
+                <a:cs typeface="+mn-cs"/>
+              </a:defRPr>
+            </a:lvl2pPr>
+            <a:lvl3pPr marL="914400" indent="0" algn="l" defTabSz="914400" rtl="0" eaLnBrk="1" latinLnBrk="0" hangingPunct="1">
+              <a:lnSpc>
+                <a:spcPct val="90000"/>
+              </a:lnSpc>
+              <a:spcBef>
+                <a:spcPts val="500"/>
+              </a:spcBef>
+              <a:buFont typeface="Arial" panose="020B0604020202020204" pitchFamily="34" charset="0"/>
+              <a:buNone/>
+              <a:defRPr sz="1800" kern="1200">
+                <a:solidFill>
+                  <a:schemeClr val="tx1">
+                    <a:tint val="75000"/>
+                  </a:schemeClr>
+                </a:solidFill>
+                <a:latin typeface="+mn-lt"/>
+                <a:ea typeface="+mn-ea"/>
+                <a:cs typeface="+mn-cs"/>
+              </a:defRPr>
+            </a:lvl3pPr>
+            <a:lvl4pPr marL="1371600" indent="0" algn="l" defTabSz="914400" rtl="0" eaLnBrk="1" latinLnBrk="0" hangingPunct="1">
+              <a:lnSpc>
+                <a:spcPct val="90000"/>
+              </a:lnSpc>
+              <a:spcBef>
+                <a:spcPts val="500"/>
+              </a:spcBef>
+              <a:buFont typeface="Arial" panose="020B0604020202020204" pitchFamily="34" charset="0"/>
+              <a:buNone/>
+              <a:defRPr sz="1600" kern="1200">
+                <a:solidFill>
+                  <a:schemeClr val="tx1">
+                    <a:tint val="75000"/>
+                  </a:schemeClr>
+                </a:solidFill>
+                <a:latin typeface="+mn-lt"/>
+                <a:ea typeface="+mn-ea"/>
+                <a:cs typeface="+mn-cs"/>
+              </a:defRPr>
+            </a:lvl4pPr>
+            <a:lvl5pPr marL="1828800" indent="0" algn="l" defTabSz="914400" rtl="0" eaLnBrk="1" latinLnBrk="0" hangingPunct="1">
+              <a:lnSpc>
+                <a:spcPct val="90000"/>
+              </a:lnSpc>
+              <a:spcBef>
+                <a:spcPts val="500"/>
+              </a:spcBef>
+              <a:buFont typeface="Arial" panose="020B0604020202020204" pitchFamily="34" charset="0"/>
+              <a:buNone/>
+              <a:defRPr sz="1600" kern="1200">
+                <a:solidFill>
+                  <a:schemeClr val="tx1">
+                    <a:tint val="75000"/>
+                  </a:schemeClr>
+                </a:solidFill>
+                <a:latin typeface="+mn-lt"/>
+                <a:ea typeface="+mn-ea"/>
+                <a:cs typeface="+mn-cs"/>
+              </a:defRPr>
+            </a:lvl5pPr>
+            <a:lvl6pPr marL="2286000" indent="0" algn="l" defTabSz="914400" rtl="0" eaLnBrk="1" latinLnBrk="0" hangingPunct="1">
+              <a:lnSpc>
+                <a:spcPct val="90000"/>
+              </a:lnSpc>
+              <a:spcBef>
+                <a:spcPts val="500"/>
+              </a:spcBef>
+              <a:buFont typeface="Arial" panose="020B0604020202020204" pitchFamily="34" charset="0"/>
+              <a:buNone/>
+              <a:defRPr sz="1600" kern="1200">
+                <a:solidFill>
+                  <a:schemeClr val="tx1">
+                    <a:tint val="75000"/>
+                  </a:schemeClr>
+                </a:solidFill>
+                <a:latin typeface="+mn-lt"/>
+                <a:ea typeface="+mn-ea"/>
+                <a:cs typeface="+mn-cs"/>
+              </a:defRPr>
+            </a:lvl6pPr>
+            <a:lvl7pPr marL="2743200" indent="0" algn="l" defTabSz="914400" rtl="0" eaLnBrk="1" latinLnBrk="0" hangingPunct="1">
+              <a:lnSpc>
+                <a:spcPct val="90000"/>
+              </a:lnSpc>
+              <a:spcBef>
+                <a:spcPts val="500"/>
+              </a:spcBef>
+              <a:buFont typeface="Arial" panose="020B0604020202020204" pitchFamily="34" charset="0"/>
+              <a:buNone/>
+              <a:defRPr sz="1600" kern="1200">
+                <a:solidFill>
+                  <a:schemeClr val="tx1">
+                    <a:tint val="75000"/>
+                  </a:schemeClr>
+                </a:solidFill>
+                <a:latin typeface="+mn-lt"/>
+                <a:ea typeface="+mn-ea"/>
+                <a:cs typeface="+mn-cs"/>
+              </a:defRPr>
+            </a:lvl7pPr>
+            <a:lvl8pPr marL="3200400" indent="0" algn="l" defTabSz="914400" rtl="0" eaLnBrk="1" latinLnBrk="0" hangingPunct="1">
+              <a:lnSpc>
+                <a:spcPct val="90000"/>
+              </a:lnSpc>
+              <a:spcBef>
+                <a:spcPts val="500"/>
+              </a:spcBef>
+              <a:buFont typeface="Arial" panose="020B0604020202020204" pitchFamily="34" charset="0"/>
+              <a:buNone/>
+              <a:defRPr sz="1600" kern="1200">
+                <a:solidFill>
+                  <a:schemeClr val="tx1">
+                    <a:tint val="75000"/>
+                  </a:schemeClr>
+                </a:solidFill>
+                <a:latin typeface="+mn-lt"/>
+                <a:ea typeface="+mn-ea"/>
+                <a:cs typeface="+mn-cs"/>
+              </a:defRPr>
+            </a:lvl8pPr>
+            <a:lvl9pPr marL="3657600" indent="0" algn="l" defTabSz="914400" rtl="0" eaLnBrk="1" latinLnBrk="0" hangingPunct="1">
+              <a:lnSpc>
+                <a:spcPct val="90000"/>
+              </a:lnSpc>
+              <a:spcBef>
+                <a:spcPts val="500"/>
+              </a:spcBef>
+              <a:buFont typeface="Arial" panose="020B0604020202020204" pitchFamily="34" charset="0"/>
+              <a:buNone/>
+              <a:defRPr sz="1600" kern="1200">
+                <a:solidFill>
+                  <a:schemeClr val="tx1">
+                    <a:tint val="75000"/>
+                  </a:schemeClr>
+                </a:solidFill>
+                <a:latin typeface="+mn-lt"/>
+                <a:ea typeface="+mn-ea"/>
+                <a:cs typeface="+mn-cs"/>
+              </a:defRPr>
+            </a:lvl9pPr>
+          </a:lstStyle>
+          <a:p>
+            <a:r>
+              <a:rPr lang="es-ES" sz="2800" dirty="0">
+                <a:solidFill>
+                  <a:schemeClr val="tx1"/>
+                </a:solidFill>
+              </a:rPr>
+              <a:t>Para crear diagramas de actividad hay que preguntarse qué ocurre primero y qué ocurre después. Debemos determinar si las actividades se realizarán en secuencia o en paralelo.  </a:t>
+            </a:r>
+          </a:p>
+          <a:p>
+            <a:r>
+              <a:rPr lang="es-ES" sz="2800" dirty="0">
+                <a:solidFill>
+                  <a:schemeClr val="tx1"/>
+                </a:solidFill>
+              </a:rPr>
+              <a:t> Los diagramas de actividad no se utilizan para todos los casos. Debe usar diagramas de actividad cuando: </a:t>
+            </a:r>
+          </a:p>
+          <a:p>
+            <a:pPr marL="514350" indent="-514350">
+              <a:buAutoNum type="arabicPeriod"/>
+            </a:pPr>
+            <a:r>
+              <a:rPr lang="es-ES" sz="2800" dirty="0">
+                <a:solidFill>
+                  <a:schemeClr val="tx1"/>
+                </a:solidFill>
+              </a:rPr>
+              <a:t>Le ayude a comprender las actividades de un caso de uso. </a:t>
+            </a:r>
+          </a:p>
+          <a:p>
+            <a:pPr marL="514350" indent="-514350">
+              <a:buAutoNum type="arabicPeriod"/>
+            </a:pPr>
+            <a:r>
+              <a:rPr lang="es-ES" sz="2800" dirty="0">
+                <a:solidFill>
+                  <a:schemeClr val="tx1"/>
+                </a:solidFill>
+              </a:rPr>
+              <a:t>El flujo de control sea complejo. </a:t>
+            </a:r>
+          </a:p>
+          <a:p>
+            <a:pPr marL="514350" indent="-514350">
+              <a:buAutoNum type="arabicPeriod"/>
+            </a:pPr>
+            <a:r>
+              <a:rPr lang="es-ES" sz="2800" dirty="0">
+                <a:solidFill>
+                  <a:schemeClr val="tx1"/>
+                </a:solidFill>
+              </a:rPr>
+              <a:t>Exista la necesidad de modelar el flujo de trabajo. </a:t>
+            </a:r>
+          </a:p>
+          <a:p>
+            <a:pPr marL="514350" indent="-514350">
+              <a:buAutoNum type="arabicPeriod"/>
+            </a:pPr>
+            <a:r>
+              <a:rPr lang="es-ES" sz="2800" dirty="0">
+                <a:solidFill>
+                  <a:schemeClr val="tx1"/>
+                </a:solidFill>
+              </a:rPr>
+              <a:t>Haya que mostrar todos los escenarios. </a:t>
+            </a:r>
+            <a:endParaRPr lang="es-HN" sz="2800" dirty="0">
+              <a:solidFill>
+                <a:schemeClr val="tx1"/>
+              </a:solidFill>
+            </a:endParaRPr>
+          </a:p>
+        </p:txBody>
+      </p:sp>
+    </p:spTree>
+    <p:extLst>
+      <p:ext uri="{BB962C8B-B14F-4D97-AF65-F5344CB8AC3E}">
+        <p14:creationId xmlns:p14="http://schemas.microsoft.com/office/powerpoint/2010/main" val="2344644898"/>
+      </p:ext>
+    </p:extLst>
+  </p:cSld>
+  <p:clrMapOvr>
+    <a:masterClrMapping/>
+  </p:clrMapOvr>
+</p:sld>
+</file>
+
+<file path=ppt/slides/slide13.xml><?xml version="1.0" encoding="utf-8"?>
+<p:sld xmlns:a="http://schemas.openxmlformats.org/drawingml/2006/main" xmlns:r="http://schemas.openxmlformats.org/officeDocument/2006/relationships" xmlns:p="http://schemas.openxmlformats.org/presentationml/2006/main">
+  <p:cSld>
+    <p:spTree>
+      <p:nvGrpSpPr>
+        <p:cNvPr id="1" name=""/>
+        <p:cNvGrpSpPr/>
+        <p:nvPr/>
+      </p:nvGrpSpPr>
+      <p:grpSpPr>
+        <a:xfrm>
+          <a:off x="0" y="0"/>
+          <a:ext cx="0" cy="0"/>
+          <a:chOff x="0" y="0"/>
+          <a:chExt cx="0" cy="0"/>
+        </a:xfrm>
+      </p:grpSpPr>
+      <p:sp>
+        <p:nvSpPr>
+          <p:cNvPr id="2" name="Title 1">
+            <a:extLst>
+              <a:ext uri="{FF2B5EF4-FFF2-40B4-BE49-F238E27FC236}">
+                <a16:creationId xmlns:a16="http://schemas.microsoft.com/office/drawing/2014/main" id="{F172DF72-D130-492B-8357-F2094EA116F7}"/>
+              </a:ext>
+            </a:extLst>
+          </p:cNvPr>
+          <p:cNvSpPr>
+            <a:spLocks noGrp="1"/>
+          </p:cNvSpPr>
+          <p:nvPr>
+            <p:ph type="title"/>
+          </p:nvPr>
+        </p:nvSpPr>
+        <p:spPr>
+          <a:xfrm>
+            <a:off x="546651" y="-483705"/>
+            <a:ext cx="8981661" cy="1470991"/>
+          </a:xfrm>
+        </p:spPr>
+        <p:txBody>
+          <a:bodyPr>
+            <a:normAutofit/>
+          </a:bodyPr>
+          <a:lstStyle/>
+          <a:p>
+            <a:r>
+              <a:rPr lang="es-HN" sz="4400" b="1" dirty="0">
+                <a:solidFill>
+                  <a:schemeClr val="accent1"/>
+                </a:solidFill>
+              </a:rPr>
+              <a:t>Diagramas de actividad</a:t>
+            </a:r>
+          </a:p>
+        </p:txBody>
+      </p:sp>
+      <p:pic>
+        <p:nvPicPr>
+          <p:cNvPr id="4" name="Picture 3">
+            <a:extLst>
+              <a:ext uri="{FF2B5EF4-FFF2-40B4-BE49-F238E27FC236}">
+                <a16:creationId xmlns:a16="http://schemas.microsoft.com/office/drawing/2014/main" id="{F03CC5E2-C05E-4E70-9E97-6478474BB6DA}"/>
+              </a:ext>
+            </a:extLst>
+          </p:cNvPr>
+          <p:cNvPicPr>
+            <a:picLocks noChangeAspect="1"/>
+          </p:cNvPicPr>
+          <p:nvPr/>
+        </p:nvPicPr>
+        <p:blipFill>
+          <a:blip r:embed="rId2">
+            <a:extLst>
+              <a:ext uri="{28A0092B-C50C-407E-A947-70E740481C1C}">
+                <a14:useLocalDpi xmlns:a14="http://schemas.microsoft.com/office/drawing/2010/main" val="0"/>
+              </a:ext>
+            </a:extLst>
+          </a:blip>
+          <a:stretch>
+            <a:fillRect/>
+          </a:stretch>
+        </p:blipFill>
+        <p:spPr>
+          <a:xfrm>
+            <a:off x="6096000" y="395815"/>
+            <a:ext cx="5095333" cy="6066369"/>
+          </a:xfrm>
+          <a:prstGeom prst="rect">
+            <a:avLst/>
+          </a:prstGeom>
+        </p:spPr>
+      </p:pic>
+      <p:pic>
+        <p:nvPicPr>
+          <p:cNvPr id="6" name="Picture 5">
+            <a:extLst>
+              <a:ext uri="{FF2B5EF4-FFF2-40B4-BE49-F238E27FC236}">
+                <a16:creationId xmlns:a16="http://schemas.microsoft.com/office/drawing/2014/main" id="{8B638E35-D346-4858-9423-D0C26BF6469A}"/>
+              </a:ext>
+            </a:extLst>
+          </p:cNvPr>
+          <p:cNvPicPr>
+            <a:picLocks noChangeAspect="1"/>
+          </p:cNvPicPr>
+          <p:nvPr/>
+        </p:nvPicPr>
+        <p:blipFill>
+          <a:blip r:embed="rId3">
+            <a:extLst>
+              <a:ext uri="{28A0092B-C50C-407E-A947-70E740481C1C}">
+                <a14:useLocalDpi xmlns:a14="http://schemas.microsoft.com/office/drawing/2010/main" val="0"/>
+              </a:ext>
+            </a:extLst>
+          </a:blip>
+          <a:stretch>
+            <a:fillRect/>
+          </a:stretch>
+        </p:blipFill>
+        <p:spPr>
+          <a:xfrm>
+            <a:off x="1583762" y="987286"/>
+            <a:ext cx="3001490" cy="5234305"/>
+          </a:xfrm>
+          <a:prstGeom prst="rect">
+            <a:avLst/>
+          </a:prstGeom>
+        </p:spPr>
+      </p:pic>
+    </p:spTree>
+    <p:extLst>
+      <p:ext uri="{BB962C8B-B14F-4D97-AF65-F5344CB8AC3E}">
+        <p14:creationId xmlns:p14="http://schemas.microsoft.com/office/powerpoint/2010/main" val="1440105950"/>
+      </p:ext>
+    </p:extLst>
+  </p:cSld>
+  <p:clrMapOvr>
+    <a:masterClrMapping/>
+  </p:clrMapOvr>
+</p:sld>
+</file>
+
 <file path=ppt/slides/slide2.xml><?xml version="1.0" encoding="utf-8"?>
 <p:sld xmlns:a="http://schemas.openxmlformats.org/drawingml/2006/main" xmlns:r="http://schemas.openxmlformats.org/officeDocument/2006/relationships" xmlns:p="http://schemas.openxmlformats.org/presentationml/2006/main">
   <p:cSld>
@@ -4918,7 +5925,7 @@
         <p:spPr>
           <a:xfrm>
             <a:off x="838200" y="1594471"/>
-            <a:ext cx="5818150" cy="4874729"/>
+            <a:ext cx="5986670" cy="4874729"/>
           </a:xfrm>
         </p:spPr>
         <p:txBody>
@@ -4980,8 +5987,8 @@
         </p:blipFill>
         <p:spPr>
           <a:xfrm>
-            <a:off x="6775620" y="2163798"/>
-            <a:ext cx="5003119" cy="2819020"/>
+            <a:off x="7293051" y="2163798"/>
+            <a:ext cx="4485688" cy="2527472"/>
           </a:xfrm>
           <a:prstGeom prst="rect">
             <a:avLst/>
@@ -5091,7 +6098,39 @@
                   <a:schemeClr val="tx1"/>
                 </a:solidFill>
               </a:rPr>
-              <a:t>Un actor representa un conjunto coherente de roles que los usuarios de los casos de uso juegan al interactuar con éstos. </a:t>
+              <a:t>Un </a:t>
+            </a:r>
+            <a:r>
+              <a:rPr lang="es-ES" sz="2800" b="1" dirty="0">
+                <a:solidFill>
+                  <a:schemeClr val="tx1"/>
+                </a:solidFill>
+              </a:rPr>
+              <a:t>actor</a:t>
+            </a:r>
+            <a:r>
+              <a:rPr lang="es-ES" sz="2800" dirty="0">
+                <a:solidFill>
+                  <a:schemeClr val="tx1"/>
+                </a:solidFill>
+              </a:rPr>
+              <a:t> representa un conjunto coherente de </a:t>
+            </a:r>
+            <a:r>
+              <a:rPr lang="es-ES" sz="2800" b="1" dirty="0">
+                <a:solidFill>
+                  <a:schemeClr val="tx1"/>
+                </a:solidFill>
+              </a:rPr>
+              <a:t>roles</a:t>
+            </a:r>
+            <a:r>
+              <a:rPr lang="es-ES" sz="2800" dirty="0">
+                <a:solidFill>
+                  <a:schemeClr val="tx1"/>
+                </a:solidFill>
+              </a:rPr>
+              <a:t> que los usuarios de los casos de uso juegan al interactuar con éstos. </a:t>
             </a:r>
           </a:p>
           <a:p>
@@ -5111,17 +6150,49 @@
                   <a:schemeClr val="tx1"/>
                 </a:solidFill>
               </a:rPr>
-              <a:t>Los actores conectan a los casos de uso a través de asociaciones. </a:t>
-            </a:r>
-          </a:p>
-          <a:p>
+              <a:t>Los actores conectan a los casos de uso a través de </a:t>
+            </a:r>
+            <a:r>
+              <a:rPr lang="es-ES" sz="2800" b="1" dirty="0">
+                <a:solidFill>
+                  <a:schemeClr val="tx1"/>
+                </a:solidFill>
+              </a:rPr>
+              <a:t>asociaciones</a:t>
+            </a:r>
             <a:r>
               <a:rPr lang="es-ES" sz="2800" dirty="0">
                 <a:solidFill>
                   <a:schemeClr val="tx1"/>
                 </a:solidFill>
               </a:rPr>
-              <a:t>Una asociación entre un actor y un caso de uso indica que el actor y ese caso de uso se comunican entre sí, y cada uno puede enviar y recibir mensajes.</a:t>
+              <a:t>. </a:t>
+            </a:r>
+          </a:p>
+          <a:p>
+            <a:r>
+              <a:rPr lang="es-ES" sz="2800" dirty="0">
+                <a:solidFill>
+                  <a:schemeClr val="tx1"/>
+                </a:solidFill>
+              </a:rPr>
+              <a:t>Una asociación entre un actor y un caso de uso indica que el actor y ese caso de uso se comunican entre sí, y cada uno puede enviar y recibir </a:t>
+            </a:r>
+            <a:r>
+              <a:rPr lang="es-ES" sz="2800" b="1" dirty="0">
+                <a:solidFill>
+                  <a:schemeClr val="tx1"/>
+                </a:solidFill>
+              </a:rPr>
+              <a:t>mensajes</a:t>
+            </a:r>
+            <a:r>
+              <a:rPr lang="es-ES" sz="2800" dirty="0">
+                <a:solidFill>
+                  <a:schemeClr val="tx1"/>
+                </a:solidFill>
+              </a:rPr>
+              <a:t>.</a:t>
             </a:r>
             <a:endParaRPr lang="es-HN" sz="2800" dirty="0">
               <a:solidFill>
@@ -5171,6 +6242,303 @@
     <p:extLst>
       <p:ext uri="{BB962C8B-B14F-4D97-AF65-F5344CB8AC3E}">
         <p14:creationId xmlns:p14="http://schemas.microsoft.com/office/powerpoint/2010/main" val="2529703715"/>
+      </p:ext>
+    </p:extLst>
+  </p:cSld>
+  <p:clrMapOvr>
+    <a:masterClrMapping/>
+  </p:clrMapOvr>
+</p:sld>
+</file>
+
+<file path=ppt/slides/slide8.xml><?xml version="1.0" encoding="utf-8"?>
+<p:sld xmlns:a="http://schemas.openxmlformats.org/drawingml/2006/main" xmlns:r="http://schemas.openxmlformats.org/officeDocument/2006/relationships" xmlns:p="http://schemas.openxmlformats.org/presentationml/2006/main">
+  <p:cSld>
+    <p:spTree>
+      <p:nvGrpSpPr>
+        <p:cNvPr id="1" name=""/>
+        <p:cNvGrpSpPr/>
+        <p:nvPr/>
+      </p:nvGrpSpPr>
+      <p:grpSpPr>
+        <a:xfrm>
+          <a:off x="0" y="0"/>
+          <a:ext cx="0" cy="0"/>
+          <a:chOff x="0" y="0"/>
+          <a:chExt cx="0" cy="0"/>
+        </a:xfrm>
+      </p:grpSpPr>
+      <p:sp>
+        <p:nvSpPr>
+          <p:cNvPr id="2" name="Title 1">
+            <a:extLst>
+              <a:ext uri="{FF2B5EF4-FFF2-40B4-BE49-F238E27FC236}">
+                <a16:creationId xmlns:a16="http://schemas.microsoft.com/office/drawing/2014/main" id="{F172DF72-D130-492B-8357-F2094EA116F7}"/>
+              </a:ext>
+            </a:extLst>
+          </p:cNvPr>
+          <p:cNvSpPr>
+            <a:spLocks noGrp="1"/>
+          </p:cNvSpPr>
+          <p:nvPr>
+            <p:ph type="title"/>
+          </p:nvPr>
+        </p:nvSpPr>
+        <p:spPr>
+          <a:xfrm>
+            <a:off x="838200" y="388799"/>
+            <a:ext cx="10515600" cy="976175"/>
+          </a:xfrm>
+        </p:spPr>
+        <p:txBody>
+          <a:bodyPr>
+            <a:normAutofit/>
+          </a:bodyPr>
+          <a:lstStyle/>
+          <a:p>
+            <a:r>
+              <a:rPr lang="es-HN" b="1" dirty="0">
+                <a:solidFill>
+                  <a:schemeClr val="accent1"/>
+                </a:solidFill>
+              </a:rPr>
+              <a:t>Relaciones de los casos de uso</a:t>
+            </a:r>
+          </a:p>
+        </p:txBody>
+      </p:sp>
+      <p:sp>
+        <p:nvSpPr>
+          <p:cNvPr id="3" name="Text Placeholder 2">
+            <a:extLst>
+              <a:ext uri="{FF2B5EF4-FFF2-40B4-BE49-F238E27FC236}">
+                <a16:creationId xmlns:a16="http://schemas.microsoft.com/office/drawing/2014/main" id="{B742F0EE-6816-45B3-8B2F-E78EDC4B829E}"/>
+              </a:ext>
+            </a:extLst>
+          </p:cNvPr>
+          <p:cNvSpPr>
+            <a:spLocks noGrp="1"/>
+          </p:cNvSpPr>
+          <p:nvPr>
+            <p:ph type="body" idx="1"/>
+          </p:nvPr>
+        </p:nvSpPr>
+        <p:spPr>
+          <a:xfrm>
+            <a:off x="967408" y="1391478"/>
+            <a:ext cx="10641495" cy="1333451"/>
+          </a:xfrm>
+        </p:spPr>
+        <p:txBody>
+          <a:bodyPr>
+            <a:normAutofit/>
+          </a:bodyPr>
+          <a:lstStyle/>
+          <a:p>
+            <a:r>
+              <a:rPr lang="es-ES" sz="2800" dirty="0">
+                <a:solidFill>
+                  <a:schemeClr val="tx1"/>
+                </a:solidFill>
+              </a:rPr>
+              <a:t>Las relaciones activas se conocen como relaciones de comportamiento y se utilizan principalmente en los diagramas de casos de uso.</a:t>
+            </a:r>
+            <a:endParaRPr lang="es-HN" sz="2800" dirty="0">
+              <a:solidFill>
+                <a:schemeClr val="tx1"/>
+              </a:solidFill>
+            </a:endParaRPr>
+          </a:p>
+        </p:txBody>
+      </p:sp>
+      <p:pic>
+        <p:nvPicPr>
+          <p:cNvPr id="5" name="Picture 4">
+            <a:extLst>
+              <a:ext uri="{FF2B5EF4-FFF2-40B4-BE49-F238E27FC236}">
+                <a16:creationId xmlns:a16="http://schemas.microsoft.com/office/drawing/2014/main" id="{E3EED4FB-5CB3-466D-A651-3400894C6914}"/>
+              </a:ext>
+            </a:extLst>
+          </p:cNvPr>
+          <p:cNvPicPr>
+            <a:picLocks noChangeAspect="1"/>
+          </p:cNvPicPr>
+          <p:nvPr/>
+        </p:nvPicPr>
+        <p:blipFill>
+          <a:blip r:embed="rId2">
+            <a:extLst>
+              <a:ext uri="{28A0092B-C50C-407E-A947-70E740481C1C}">
+                <a14:useLocalDpi xmlns:a14="http://schemas.microsoft.com/office/drawing/2010/main" val="0"/>
+              </a:ext>
+            </a:extLst>
+          </a:blip>
+          <a:stretch>
+            <a:fillRect/>
+          </a:stretch>
+        </p:blipFill>
+        <p:spPr>
+          <a:xfrm>
+            <a:off x="1686474" y="2438400"/>
+            <a:ext cx="9203362" cy="3676941"/>
+          </a:xfrm>
+          <a:prstGeom prst="rect">
+            <a:avLst/>
+          </a:prstGeom>
+        </p:spPr>
+      </p:pic>
+    </p:spTree>
+    <p:extLst>
+      <p:ext uri="{BB962C8B-B14F-4D97-AF65-F5344CB8AC3E}">
+        <p14:creationId xmlns:p14="http://schemas.microsoft.com/office/powerpoint/2010/main" val="4248758389"/>
+      </p:ext>
+    </p:extLst>
+  </p:cSld>
+  <p:clrMapOvr>
+    <a:masterClrMapping/>
+  </p:clrMapOvr>
+</p:sld>
+</file>
+
+<file path=ppt/slides/slide9.xml><?xml version="1.0" encoding="utf-8"?>
+<p:sld xmlns:a="http://schemas.openxmlformats.org/drawingml/2006/main" xmlns:r="http://schemas.openxmlformats.org/officeDocument/2006/relationships" xmlns:p="http://schemas.openxmlformats.org/presentationml/2006/main">
+  <p:cSld>
+    <p:spTree>
+      <p:nvGrpSpPr>
+        <p:cNvPr id="1" name=""/>
+        <p:cNvGrpSpPr/>
+        <p:nvPr/>
+      </p:nvGrpSpPr>
+      <p:grpSpPr>
+        <a:xfrm>
+          <a:off x="0" y="0"/>
+          <a:ext cx="0" cy="0"/>
+          <a:chOff x="0" y="0"/>
+          <a:chExt cx="0" cy="0"/>
+        </a:xfrm>
+      </p:grpSpPr>
+      <p:sp>
+        <p:nvSpPr>
+          <p:cNvPr id="2" name="Title 1">
+            <a:extLst>
+              <a:ext uri="{FF2B5EF4-FFF2-40B4-BE49-F238E27FC236}">
+                <a16:creationId xmlns:a16="http://schemas.microsoft.com/office/drawing/2014/main" id="{F172DF72-D130-492B-8357-F2094EA116F7}"/>
+              </a:ext>
+            </a:extLst>
+          </p:cNvPr>
+          <p:cNvSpPr>
+            <a:spLocks noGrp="1"/>
+          </p:cNvSpPr>
+          <p:nvPr>
+            <p:ph type="title"/>
+          </p:nvPr>
+        </p:nvSpPr>
+        <p:spPr>
+          <a:xfrm>
+            <a:off x="838200" y="388799"/>
+            <a:ext cx="10515600" cy="976175"/>
+          </a:xfrm>
+        </p:spPr>
+        <p:txBody>
+          <a:bodyPr>
+            <a:normAutofit/>
+          </a:bodyPr>
+          <a:lstStyle/>
+          <a:p>
+            <a:r>
+              <a:rPr lang="es-HN" b="1" dirty="0">
+                <a:solidFill>
+                  <a:schemeClr val="accent1"/>
+                </a:solidFill>
+              </a:rPr>
+              <a:t>Relaciones de los casos de uso</a:t>
+            </a:r>
+          </a:p>
+        </p:txBody>
+      </p:sp>
+      <p:sp>
+        <p:nvSpPr>
+          <p:cNvPr id="3" name="Text Placeholder 2">
+            <a:extLst>
+              <a:ext uri="{FF2B5EF4-FFF2-40B4-BE49-F238E27FC236}">
+                <a16:creationId xmlns:a16="http://schemas.microsoft.com/office/drawing/2014/main" id="{B742F0EE-6816-45B3-8B2F-E78EDC4B829E}"/>
+              </a:ext>
+            </a:extLst>
+          </p:cNvPr>
+          <p:cNvSpPr>
+            <a:spLocks noGrp="1"/>
+          </p:cNvSpPr>
+          <p:nvPr>
+            <p:ph type="body" idx="1"/>
+          </p:nvPr>
+        </p:nvSpPr>
+        <p:spPr>
+          <a:xfrm>
+            <a:off x="967408" y="1391478"/>
+            <a:ext cx="10641495" cy="1333451"/>
+          </a:xfrm>
+        </p:spPr>
+        <p:txBody>
+          <a:bodyPr>
+            <a:normAutofit/>
+          </a:bodyPr>
+          <a:lstStyle/>
+          <a:p>
+            <a:r>
+              <a:rPr lang="es-ES" sz="2800" dirty="0">
+                <a:solidFill>
+                  <a:schemeClr val="tx1"/>
+                </a:solidFill>
+              </a:rPr>
+              <a:t>Las relaciones activas se conocen como relaciones de comportamiento y se utilizan principalmente en los diagramas de casos de uso.</a:t>
+            </a:r>
+            <a:endParaRPr lang="es-HN" sz="2800" dirty="0">
+              <a:solidFill>
+                <a:schemeClr val="tx1"/>
+              </a:solidFill>
+            </a:endParaRPr>
+          </a:p>
+        </p:txBody>
+      </p:sp>
+      <p:pic>
+        <p:nvPicPr>
+          <p:cNvPr id="6" name="Picture 5">
+            <a:extLst>
+              <a:ext uri="{FF2B5EF4-FFF2-40B4-BE49-F238E27FC236}">
+                <a16:creationId xmlns:a16="http://schemas.microsoft.com/office/drawing/2014/main" id="{E75331EF-1911-470B-A28D-B7BB6345F9AB}"/>
+              </a:ext>
+            </a:extLst>
+          </p:cNvPr>
+          <p:cNvPicPr>
+            <a:picLocks noChangeAspect="1"/>
+          </p:cNvPicPr>
+          <p:nvPr/>
+        </p:nvPicPr>
+        <p:blipFill rotWithShape="1">
+          <a:blip r:embed="rId2">
+            <a:extLst>
+              <a:ext uri="{28A0092B-C50C-407E-A947-70E740481C1C}">
+                <a14:useLocalDpi xmlns:a14="http://schemas.microsoft.com/office/drawing/2010/main" val="0"/>
+              </a:ext>
+            </a:extLst>
+          </a:blip>
+          <a:srcRect b="49960"/>
+          <a:stretch/>
+        </p:blipFill>
+        <p:spPr>
+          <a:xfrm>
+            <a:off x="1063888" y="2425148"/>
+            <a:ext cx="10064224" cy="3660247"/>
+          </a:xfrm>
+          <a:prstGeom prst="rect">
+            <a:avLst/>
+          </a:prstGeom>
+        </p:spPr>
+      </p:pic>
+    </p:spTree>
+    <p:extLst>
+      <p:ext uri="{BB962C8B-B14F-4D97-AF65-F5344CB8AC3E}">
+        <p14:creationId xmlns:p14="http://schemas.microsoft.com/office/powerpoint/2010/main" val="2371827933"/>
       </p:ext>
     </p:extLst>
   </p:cSld>

--- a/Unidad II/diagramas uml.pptx
+++ b/Unidad II/diagramas uml.pptx
@@ -18,6 +18,7 @@
     <p:sldId id="264" r:id="rId12"/>
     <p:sldId id="267" r:id="rId13"/>
     <p:sldId id="268" r:id="rId14"/>
+    <p:sldId id="269" r:id="rId15"/>
   </p:sldIdLst>
   <p:sldSz cx="12192000" cy="6858000"/>
   <p:notesSz cx="6858000" cy="9144000"/>
@@ -5002,6 +5003,194 @@
 </p:sld>
 </file>
 
+<file path=ppt/slides/slide14.xml><?xml version="1.0" encoding="utf-8"?>
+<p:sld xmlns:a="http://schemas.openxmlformats.org/drawingml/2006/main" xmlns:r="http://schemas.openxmlformats.org/officeDocument/2006/relationships" xmlns:p="http://schemas.openxmlformats.org/presentationml/2006/main">
+  <p:cSld>
+    <p:spTree>
+      <p:nvGrpSpPr>
+        <p:cNvPr id="1" name=""/>
+        <p:cNvGrpSpPr/>
+        <p:nvPr/>
+      </p:nvGrpSpPr>
+      <p:grpSpPr>
+        <a:xfrm>
+          <a:off x="0" y="0"/>
+          <a:ext cx="0" cy="0"/>
+          <a:chOff x="0" y="0"/>
+          <a:chExt cx="0" cy="0"/>
+        </a:xfrm>
+      </p:grpSpPr>
+      <p:sp>
+        <p:nvSpPr>
+          <p:cNvPr id="2" name="Rectangle 1">
+            <a:extLst>
+              <a:ext uri="{FF2B5EF4-FFF2-40B4-BE49-F238E27FC236}">
+                <a16:creationId xmlns:a16="http://schemas.microsoft.com/office/drawing/2014/main" id="{742C1FCE-7689-4226-8D10-DE568DA0736F}"/>
+              </a:ext>
+            </a:extLst>
+          </p:cNvPr>
+          <p:cNvSpPr/>
+          <p:nvPr/>
+        </p:nvSpPr>
+        <p:spPr>
+          <a:xfrm>
+            <a:off x="980661" y="1144666"/>
+            <a:ext cx="10373139" cy="5324535"/>
+          </a:xfrm>
+          <a:prstGeom prst="rect">
+            <a:avLst/>
+          </a:prstGeom>
+        </p:spPr>
+        <p:txBody>
+          <a:bodyPr wrap="square">
+            <a:spAutoFit/>
+          </a:bodyPr>
+          <a:lstStyle/>
+          <a:p>
+            <a:r>
+              <a:rPr lang="es-HN" sz="2000" dirty="0">
+                <a:latin typeface="Calibri" panose="020F0502020204030204" pitchFamily="34" charset="0"/>
+              </a:rPr>
+              <a:t>Un edificio de la ciudad cuenta con cierto numero de salas para reuniones, conferencias y/o otros eventos. Las salas se encuentran distribuidas en los diversos pisos del edificio. </a:t>
+            </a:r>
+          </a:p>
+          <a:p>
+            <a:r>
+              <a:rPr lang="es-HN" sz="2000" dirty="0">
+                <a:latin typeface="Calibri" panose="020F0502020204030204" pitchFamily="34" charset="0"/>
+              </a:rPr>
+              <a:t>Se necesita un sistema que le permita llevar un control de reservación de salas, para el publico en general. La reservaciones se pueden hacer desde cualquier dispositivo móvil o computador con conexión a internet. </a:t>
+            </a:r>
+          </a:p>
+          <a:p>
+            <a:r>
+              <a:rPr lang="es-HN" sz="2000" dirty="0">
+                <a:latin typeface="Calibri" panose="020F0502020204030204" pitchFamily="34" charset="0"/>
+              </a:rPr>
+              <a:t>Los usuarios deben poder buscar entre los diferentes tipos de salas de acuerdo a su necesidad, pueden ser salas grandes, pequeñas o medianas. Salas mesas y escritorios para reuniones, salas con pantallas y proyectores. Salones con butacas para conferencias. </a:t>
+            </a:r>
+          </a:p>
+          <a:p>
+            <a:r>
+              <a:rPr lang="es-HN" sz="2000" dirty="0">
+                <a:latin typeface="Calibri" panose="020F0502020204030204" pitchFamily="34" charset="0"/>
+              </a:rPr>
+              <a:t>Cuando el usuario seleccione una sala, también debe poder ver el estado de la sala y las fechas y horarios disponibles para reservar. El usuario debe poder reservar una sala y solicitar otros equipos adicionales como mesas extra, micrófonos, televisores, etc. </a:t>
+            </a:r>
+          </a:p>
+          <a:p>
+            <a:r>
+              <a:rPr lang="es-HN" sz="2000" dirty="0">
+                <a:latin typeface="Calibri" panose="020F0502020204030204" pitchFamily="34" charset="0"/>
+              </a:rPr>
+              <a:t>Si lo usuarios no se encuentran registrados en el sistema, entonces el usuario debe completar un formulario previo a una confirmación de la reservación. </a:t>
+            </a:r>
+          </a:p>
+          <a:p>
+            <a:r>
+              <a:rPr lang="es-HN" sz="2000" dirty="0">
+                <a:latin typeface="Calibri" panose="020F0502020204030204" pitchFamily="34" charset="0"/>
+              </a:rPr>
+              <a:t>Las salas pueden estar disponibles, inactiva, ocupada, reservada y </a:t>
+            </a:r>
+            <a:r>
+              <a:rPr lang="es-HN" sz="2000" dirty="0" err="1">
+                <a:latin typeface="Calibri" panose="020F0502020204030204" pitchFamily="34" charset="0"/>
+              </a:rPr>
+              <a:t>pre-reservada</a:t>
+            </a:r>
+            <a:r>
+              <a:rPr lang="es-HN" sz="2000" dirty="0">
+                <a:latin typeface="Calibri" panose="020F0502020204030204" pitchFamily="34" charset="0"/>
+              </a:rPr>
+              <a:t>. Cuando la se hace una reservación la sala se muestra como </a:t>
+            </a:r>
+            <a:r>
+              <a:rPr lang="es-HN" sz="2000" dirty="0" err="1">
+                <a:latin typeface="Calibri" panose="020F0502020204030204" pitchFamily="34" charset="0"/>
+              </a:rPr>
+              <a:t>pre-reservada</a:t>
+            </a:r>
+            <a:r>
+              <a:rPr lang="es-HN" sz="2000" dirty="0">
+                <a:latin typeface="Calibri" panose="020F0502020204030204" pitchFamily="34" charset="0"/>
+              </a:rPr>
+              <a:t>, al momento de realizar la confirmación su estado cambia a reservada. Si no se realiza la confirmación después de 24 horas, la sala se libera y se pasa a un estado de disponible. </a:t>
+            </a:r>
+          </a:p>
+        </p:txBody>
+      </p:sp>
+      <p:sp>
+        <p:nvSpPr>
+          <p:cNvPr id="3" name="Title 1">
+            <a:extLst>
+              <a:ext uri="{FF2B5EF4-FFF2-40B4-BE49-F238E27FC236}">
+                <a16:creationId xmlns:a16="http://schemas.microsoft.com/office/drawing/2014/main" id="{DAE50E7E-72F3-4E01-A7F3-3AF91C7908BE}"/>
+              </a:ext>
+            </a:extLst>
+          </p:cNvPr>
+          <p:cNvSpPr txBox="1">
+            <a:spLocks/>
+          </p:cNvSpPr>
+          <p:nvPr/>
+        </p:nvSpPr>
+        <p:spPr>
+          <a:xfrm>
+            <a:off x="838200" y="388799"/>
+            <a:ext cx="10515600" cy="976175"/>
+          </a:xfrm>
+          <a:prstGeom prst="rect">
+            <a:avLst/>
+          </a:prstGeom>
+        </p:spPr>
+        <p:txBody>
+          <a:bodyPr>
+            <a:normAutofit/>
+          </a:bodyPr>
+          <a:lstStyle>
+            <a:lvl1pPr algn="l" defTabSz="914400" rtl="0" eaLnBrk="1" latinLnBrk="0" hangingPunct="1">
+              <a:lnSpc>
+                <a:spcPct val="90000"/>
+              </a:lnSpc>
+              <a:spcBef>
+                <a:spcPct val="0"/>
+              </a:spcBef>
+              <a:buNone/>
+              <a:defRPr sz="4400" kern="1200">
+                <a:solidFill>
+                  <a:schemeClr val="tx1"/>
+                </a:solidFill>
+                <a:latin typeface="+mj-lt"/>
+                <a:ea typeface="+mj-ea"/>
+                <a:cs typeface="+mj-cs"/>
+              </a:defRPr>
+            </a:lvl1pPr>
+          </a:lstStyle>
+          <a:p>
+            <a:r>
+              <a:rPr lang="es-HN" b="1" dirty="0">
+                <a:solidFill>
+                  <a:schemeClr val="accent1"/>
+                </a:solidFill>
+              </a:rPr>
+              <a:t>Ejercicio</a:t>
+            </a:r>
+          </a:p>
+        </p:txBody>
+      </p:sp>
+    </p:spTree>
+    <p:extLst>
+      <p:ext uri="{BB962C8B-B14F-4D97-AF65-F5344CB8AC3E}">
+        <p14:creationId xmlns:p14="http://schemas.microsoft.com/office/powerpoint/2010/main" val="2214156985"/>
+      </p:ext>
+    </p:extLst>
+  </p:cSld>
+  <p:clrMapOvr>
+    <a:masterClrMapping/>
+  </p:clrMapOvr>
+</p:sld>
+</file>
+
 <file path=ppt/slides/slide2.xml><?xml version="1.0" encoding="utf-8"?>
 <p:sld xmlns:a="http://schemas.openxmlformats.org/drawingml/2006/main" xmlns:r="http://schemas.openxmlformats.org/officeDocument/2006/relationships" xmlns:p="http://schemas.openxmlformats.org/presentationml/2006/main">
   <p:cSld>
